--- a/200921_coffee_pastel_.pptx
+++ b/200921_coffee_pastel_.pptx
@@ -193,7 +193,7 @@
               <a:cs typeface="+mn-cs"/>
             </a:defRPr>
           </a:pPr>
-          <a:endParaRPr lang="ko-KR"/>
+          <a:endParaRPr lang="ko-Kore-KR"/>
         </a:p>
       </c:txPr>
     </c:title>
@@ -477,7 +477,7 @@
                   <a:cs typeface="+mn-cs"/>
                 </a:defRPr>
               </a:pPr>
-              <a:endParaRPr lang="ko-KR"/>
+              <a:endParaRPr lang="ko-Kore-KR"/>
             </a:p>
           </c:txPr>
         </c:title>
@@ -515,7 +515,7 @@
                 <a:cs typeface="+mn-cs"/>
               </a:defRPr>
             </a:pPr>
-            <a:endParaRPr lang="ko-KR"/>
+            <a:endParaRPr lang="ko-Kore-KR"/>
           </a:p>
         </c:txPr>
         <c:crossAx val="714874072"/>
@@ -572,7 +572,7 @@
                   <a:cs typeface="+mn-cs"/>
                 </a:defRPr>
               </a:pPr>
-              <a:endParaRPr lang="ko-KR"/>
+              <a:endParaRPr lang="ko-Kore-KR"/>
             </a:p>
           </c:txPr>
         </c:title>
@@ -604,7 +604,7 @@
                 <a:cs typeface="+mn-cs"/>
               </a:defRPr>
             </a:pPr>
-            <a:endParaRPr lang="ko-KR"/>
+            <a:endParaRPr lang="ko-Kore-KR"/>
           </a:p>
         </c:txPr>
         <c:crossAx val="714869480"/>
@@ -646,7 +646,7 @@
               <a:cs typeface="+mn-cs"/>
             </a:defRPr>
           </a:pPr>
-          <a:endParaRPr lang="ko-KR"/>
+          <a:endParaRPr lang="ko-Kore-KR"/>
         </a:p>
       </c:txPr>
     </c:legend>
@@ -675,7 +675,7 @@
       <a:pPr>
         <a:defRPr/>
       </a:pPr>
-      <a:endParaRPr lang="ko-KR"/>
+      <a:endParaRPr lang="ko-Kore-KR"/>
     </a:p>
   </c:txPr>
   <c:externalData r:id="rId3">
@@ -4616,15 +4616,15 @@
     <dgm:cxn modelId="{C3902442-3D67-4953-AB9F-7FCC75D02C8E}" type="presOf" srcId="{0D1911B1-F3A8-421F-8C2E-4E2AD8C3019E}" destId="{031FB158-5AE1-49F3-8825-B4DF20468746}" srcOrd="0" destOrd="0" presId="urn:microsoft.com/office/officeart/2008/layout/NameandTitleOrganizationalChart"/>
     <dgm:cxn modelId="{D480BE48-50B3-44D2-BB38-239FA87EDE85}" type="presOf" srcId="{EECEE07A-AE29-4F9C-BF24-66A9B7DEF297}" destId="{487923CA-7D77-47BB-A02E-0BE32EC6C482}" srcOrd="0" destOrd="0" presId="urn:microsoft.com/office/officeart/2008/layout/NameandTitleOrganizationalChart"/>
     <dgm:cxn modelId="{F847C648-9862-4950-90D0-973BA747660C}" srcId="{1E05D724-9176-4F35-9680-49B560268DF2}" destId="{E39CD646-FCB0-4959-A1ED-A463774C1877}" srcOrd="2" destOrd="0" parTransId="{875899BE-6ABD-47A7-A6EE-D962AA19F5EF}" sibTransId="{AEB6FB53-E08E-46AF-B22A-2B027ADAD9B8}"/>
-    <dgm:cxn modelId="{F4FBCD68-D168-4E2C-AB2E-C0C57FEB59D0}" type="presOf" srcId="{90128B5A-CE6E-4993-BB03-BF98D4C75CCB}" destId="{028463F9-FC6F-4C82-8630-5293FD0794FE}" srcOrd="1" destOrd="0" presId="urn:microsoft.com/office/officeart/2008/layout/NameandTitleOrganizationalChart"/>
     <dgm:cxn modelId="{9EA5BB4A-C8B2-4CFE-99A2-7A83E455DB0F}" srcId="{1E05D724-9176-4F35-9680-49B560268DF2}" destId="{CEE919E7-0BAC-46D3-9ADA-40CCD3283073}" srcOrd="3" destOrd="0" parTransId="{BE25C6F0-D4F4-4246-B7D3-4C3AFD8E602F}" sibTransId="{516B86BE-1CA2-42FE-8BA7-70714193F808}"/>
     <dgm:cxn modelId="{70AEF54A-DD58-4FD1-98DC-505A42307B8F}" srcId="{1E05D724-9176-4F35-9680-49B560268DF2}" destId="{90128B5A-CE6E-4993-BB03-BF98D4C75CCB}" srcOrd="0" destOrd="0" parTransId="{0D1911B1-F3A8-421F-8C2E-4E2AD8C3019E}" sibTransId="{4D4187E9-8029-4BD7-BEE3-C2EB91FA11D8}"/>
+    <dgm:cxn modelId="{61178954-24F5-4957-9F78-D34058C50B88}" type="presOf" srcId="{E39CD646-FCB0-4959-A1ED-A463774C1877}" destId="{C1141E12-812B-4D13-B389-C23F04817517}" srcOrd="1" destOrd="0" presId="urn:microsoft.com/office/officeart/2008/layout/NameandTitleOrganizationalChart"/>
+    <dgm:cxn modelId="{AE5FE755-8283-4908-9A90-63194CDC106D}" type="presOf" srcId="{CEE919E7-0BAC-46D3-9ADA-40CCD3283073}" destId="{D4283FCE-8EEC-4D31-B2D0-61F4C1F6BDFB}" srcOrd="1" destOrd="0" presId="urn:microsoft.com/office/officeart/2008/layout/NameandTitleOrganizationalChart"/>
+    <dgm:cxn modelId="{B890B358-4C42-4374-9FCC-2288140D4A01}" type="presOf" srcId="{516B86BE-1CA2-42FE-8BA7-70714193F808}" destId="{F7F72411-37DC-43AE-BB04-8B097C47F914}" srcOrd="0" destOrd="0" presId="urn:microsoft.com/office/officeart/2008/layout/NameandTitleOrganizationalChart"/>
+    <dgm:cxn modelId="{F4FBCD68-D168-4E2C-AB2E-C0C57FEB59D0}" type="presOf" srcId="{90128B5A-CE6E-4993-BB03-BF98D4C75CCB}" destId="{028463F9-FC6F-4C82-8630-5293FD0794FE}" srcOrd="1" destOrd="0" presId="urn:microsoft.com/office/officeart/2008/layout/NameandTitleOrganizationalChart"/>
     <dgm:cxn modelId="{1C1FC06B-8B2D-4133-BED0-76006413D073}" srcId="{EACF14DB-7452-4CA0-A8DD-6D68B06BA01E}" destId="{5383B627-8972-442A-A66F-C3F75FCCEEDF}" srcOrd="0" destOrd="0" parTransId="{E73655CF-AB34-4D22-BFD2-E7F279508B11}" sibTransId="{FE3ACA78-3F0A-4BF8-8594-0AE0637CA3F3}"/>
     <dgm:cxn modelId="{8A7BCF6D-B8A5-4026-A5AB-397CF92352DD}" type="presOf" srcId="{5383B627-8972-442A-A66F-C3F75FCCEEDF}" destId="{64E33EBF-C6EF-4806-A0D6-BB462E3FA252}" srcOrd="1" destOrd="0" presId="urn:microsoft.com/office/officeart/2008/layout/NameandTitleOrganizationalChart"/>
-    <dgm:cxn modelId="{61178954-24F5-4957-9F78-D34058C50B88}" type="presOf" srcId="{E39CD646-FCB0-4959-A1ED-A463774C1877}" destId="{C1141E12-812B-4D13-B389-C23F04817517}" srcOrd="1" destOrd="0" presId="urn:microsoft.com/office/officeart/2008/layout/NameandTitleOrganizationalChart"/>
-    <dgm:cxn modelId="{AE5FE755-8283-4908-9A90-63194CDC106D}" type="presOf" srcId="{CEE919E7-0BAC-46D3-9ADA-40CCD3283073}" destId="{D4283FCE-8EEC-4D31-B2D0-61F4C1F6BDFB}" srcOrd="1" destOrd="0" presId="urn:microsoft.com/office/officeart/2008/layout/NameandTitleOrganizationalChart"/>
     <dgm:cxn modelId="{6A9BE776-D5B0-4FCF-9692-B35EFA05477C}" type="presOf" srcId="{3FE3C314-CD11-45C1-BF16-C5DF84B1486B}" destId="{209F8C7A-D6EB-48BD-8D4E-4213BBA72E31}" srcOrd="0" destOrd="0" presId="urn:microsoft.com/office/officeart/2008/layout/NameandTitleOrganizationalChart"/>
-    <dgm:cxn modelId="{B890B358-4C42-4374-9FCC-2288140D4A01}" type="presOf" srcId="{516B86BE-1CA2-42FE-8BA7-70714193F808}" destId="{F7F72411-37DC-43AE-BB04-8B097C47F914}" srcOrd="0" destOrd="0" presId="urn:microsoft.com/office/officeart/2008/layout/NameandTitleOrganizationalChart"/>
     <dgm:cxn modelId="{BF866579-2784-4F43-A6C4-FB559E654AEC}" type="presOf" srcId="{CEE919E7-0BAC-46D3-9ADA-40CCD3283073}" destId="{49101704-BE37-4320-A544-2FEC5676959F}" srcOrd="0" destOrd="0" presId="urn:microsoft.com/office/officeart/2008/layout/NameandTitleOrganizationalChart"/>
     <dgm:cxn modelId="{7D75E579-134F-4A5D-ADD3-B24E9C7474B7}" type="presOf" srcId="{B96AC9B3-EB77-4693-AC60-918BF170838D}" destId="{55DA9286-194D-4771-961D-8FB87BB1F647}" srcOrd="0" destOrd="0" presId="urn:microsoft.com/office/officeart/2008/layout/NameandTitleOrganizationalChart"/>
     <dgm:cxn modelId="{DA3B2C8E-9008-40FF-8DB3-B0DCA02EC5E6}" type="presOf" srcId="{586CACE5-F797-46E1-8598-7D2047ED9D79}" destId="{88C7608C-8121-4D2B-A979-CC7E69EFA030}" srcOrd="0" destOrd="0" presId="urn:microsoft.com/office/officeart/2008/layout/NameandTitleOrganizationalChart"/>
@@ -10195,7 +10195,7 @@
           <a:p>
             <a:fld id="{41C7B8C6-AC6E-4808-B22E-C8481E85C7BD}" type="datetimeFigureOut">
               <a:rPr lang="ko-KR" altLang="en-US" smtClean="0"/>
-              <a:t>2020-09-21</a:t>
+              <a:t>2022. 11. 16.</a:t>
             </a:fld>
             <a:endParaRPr lang="ko-KR" altLang="en-US"/>
           </a:p>
@@ -10393,7 +10393,7 @@
           <a:p>
             <a:fld id="{41C7B8C6-AC6E-4808-B22E-C8481E85C7BD}" type="datetimeFigureOut">
               <a:rPr lang="ko-KR" altLang="en-US" smtClean="0"/>
-              <a:t>2020-09-21</a:t>
+              <a:t>2022. 11. 16.</a:t>
             </a:fld>
             <a:endParaRPr lang="ko-KR" altLang="en-US"/>
           </a:p>
@@ -10601,7 +10601,7 @@
           <a:p>
             <a:fld id="{41C7B8C6-AC6E-4808-B22E-C8481E85C7BD}" type="datetimeFigureOut">
               <a:rPr lang="ko-KR" altLang="en-US" smtClean="0"/>
-              <a:t>2020-09-21</a:t>
+              <a:t>2022. 11. 16.</a:t>
             </a:fld>
             <a:endParaRPr lang="ko-KR" altLang="en-US"/>
           </a:p>
@@ -10799,7 +10799,7 @@
           <a:p>
             <a:fld id="{41C7B8C6-AC6E-4808-B22E-C8481E85C7BD}" type="datetimeFigureOut">
               <a:rPr lang="ko-KR" altLang="en-US" smtClean="0"/>
-              <a:t>2020-09-21</a:t>
+              <a:t>2022. 11. 16.</a:t>
             </a:fld>
             <a:endParaRPr lang="ko-KR" altLang="en-US"/>
           </a:p>
@@ -11074,7 +11074,7 @@
           <a:p>
             <a:fld id="{41C7B8C6-AC6E-4808-B22E-C8481E85C7BD}" type="datetimeFigureOut">
               <a:rPr lang="ko-KR" altLang="en-US" smtClean="0"/>
-              <a:t>2020-09-21</a:t>
+              <a:t>2022. 11. 16.</a:t>
             </a:fld>
             <a:endParaRPr lang="ko-KR" altLang="en-US"/>
           </a:p>
@@ -11339,7 +11339,7 @@
           <a:p>
             <a:fld id="{41C7B8C6-AC6E-4808-B22E-C8481E85C7BD}" type="datetimeFigureOut">
               <a:rPr lang="ko-KR" altLang="en-US" smtClean="0"/>
-              <a:t>2020-09-21</a:t>
+              <a:t>2022. 11. 16.</a:t>
             </a:fld>
             <a:endParaRPr lang="ko-KR" altLang="en-US"/>
           </a:p>
@@ -11751,7 +11751,7 @@
           <a:p>
             <a:fld id="{41C7B8C6-AC6E-4808-B22E-C8481E85C7BD}" type="datetimeFigureOut">
               <a:rPr lang="ko-KR" altLang="en-US" smtClean="0"/>
-              <a:t>2020-09-21</a:t>
+              <a:t>2022. 11. 16.</a:t>
             </a:fld>
             <a:endParaRPr lang="ko-KR" altLang="en-US"/>
           </a:p>
@@ -11892,7 +11892,7 @@
           <a:p>
             <a:fld id="{41C7B8C6-AC6E-4808-B22E-C8481E85C7BD}" type="datetimeFigureOut">
               <a:rPr lang="ko-KR" altLang="en-US" smtClean="0"/>
-              <a:t>2020-09-21</a:t>
+              <a:t>2022. 11. 16.</a:t>
             </a:fld>
             <a:endParaRPr lang="ko-KR" altLang="en-US"/>
           </a:p>
@@ -12005,7 +12005,7 @@
           <a:p>
             <a:fld id="{41C7B8C6-AC6E-4808-B22E-C8481E85C7BD}" type="datetimeFigureOut">
               <a:rPr lang="ko-KR" altLang="en-US" smtClean="0"/>
-              <a:t>2020-09-21</a:t>
+              <a:t>2022. 11. 16.</a:t>
             </a:fld>
             <a:endParaRPr lang="ko-KR" altLang="en-US"/>
           </a:p>
@@ -12393,7 +12393,7 @@
           <a:p>
             <a:fld id="{41C7B8C6-AC6E-4808-B22E-C8481E85C7BD}" type="datetimeFigureOut">
               <a:rPr lang="ko-KR" altLang="en-US" smtClean="0"/>
-              <a:t>2020-09-21</a:t>
+              <a:t>2022. 11. 16.</a:t>
             </a:fld>
             <a:endParaRPr lang="ko-KR" altLang="en-US"/>
           </a:p>
@@ -12681,7 +12681,7 @@
           <a:p>
             <a:fld id="{41C7B8C6-AC6E-4808-B22E-C8481E85C7BD}" type="datetimeFigureOut">
               <a:rPr lang="ko-KR" altLang="en-US" smtClean="0"/>
-              <a:t>2020-09-21</a:t>
+              <a:t>2022. 11. 16.</a:t>
             </a:fld>
             <a:endParaRPr lang="ko-KR" altLang="en-US"/>
           </a:p>
@@ -12922,7 +12922,7 @@
           <a:p>
             <a:fld id="{41C7B8C6-AC6E-4808-B22E-C8481E85C7BD}" type="datetimeFigureOut">
               <a:rPr lang="ko-KR" altLang="en-US" smtClean="0"/>
-              <a:t>2020-09-21</a:t>
+              <a:t>2022. 11. 16.</a:t>
             </a:fld>
             <a:endParaRPr lang="ko-KR" altLang="en-US"/>
           </a:p>
@@ -13388,10 +13388,10 @@
         </p:nvGrpSpPr>
         <p:grpSpPr>
           <a:xfrm>
-            <a:off x="3513221" y="671007"/>
-            <a:ext cx="5165558" cy="1831561"/>
-            <a:chOff x="3513221" y="671007"/>
-            <a:chExt cx="5165558" cy="1831561"/>
+            <a:off x="1839310" y="671007"/>
+            <a:ext cx="8544911" cy="1831561"/>
+            <a:chOff x="1839310" y="671007"/>
+            <a:chExt cx="8544911" cy="1831561"/>
           </a:xfrm>
         </p:grpSpPr>
         <p:sp>
@@ -13408,8 +13408,8 @@
           </p:nvSpPr>
           <p:spPr>
             <a:xfrm>
-              <a:off x="3513221" y="671007"/>
-              <a:ext cx="5165558" cy="1831561"/>
+              <a:off x="1839310" y="671007"/>
+              <a:ext cx="8544911" cy="1831561"/>
             </a:xfrm>
             <a:prstGeom prst="rect">
               <a:avLst/>
@@ -13460,8 +13460,8 @@
           </p:nvSpPr>
           <p:spPr>
             <a:xfrm>
-              <a:off x="3987890" y="914434"/>
-              <a:ext cx="4216219" cy="1323439"/>
+              <a:off x="2061626" y="914434"/>
+              <a:ext cx="8068747" cy="1323439"/>
             </a:xfrm>
             <a:prstGeom prst="rect">
               <a:avLst/>
@@ -13476,15 +13476,51 @@
             <a:p>
               <a:pPr algn="ctr"/>
               <a:r>
+                <a:rPr lang="ko-KR" altLang="en-US" sz="8000" b="1" dirty="0">
+                  <a:solidFill>
+                    <a:schemeClr val="accent6"/>
+                  </a:solidFill>
+                  <a:ea typeface="+mj-ea"/>
+                </a:rPr>
+                <a:t>오픈소스 </a:t>
+              </a:r>
+              <a:r>
                 <a:rPr lang="en-US" altLang="ko-KR" sz="8000" b="1" dirty="0">
                   <a:solidFill>
                     <a:schemeClr val="accent6"/>
                   </a:solidFill>
                   <a:ea typeface="+mj-ea"/>
                 </a:rPr>
-                <a:t>COFFEE</a:t>
+                <a:t>SW</a:t>
               </a:r>
-              <a:endParaRPr lang="ko-KR" altLang="en-US" sz="8000" b="1" dirty="0">
+              <a:r>
+                <a:rPr lang="ko-KR" altLang="en-US" sz="8000" b="1" dirty="0">
+                  <a:solidFill>
+                    <a:schemeClr val="accent6"/>
+                  </a:solidFill>
+                  <a:ea typeface="+mj-ea"/>
+                </a:rPr>
+                <a:t> </a:t>
+              </a:r>
+              <a:r>
+                <a:rPr lang="en-US" altLang="ko-KR" sz="8000" b="1" dirty="0">
+                  <a:solidFill>
+                    <a:schemeClr val="accent6"/>
+                  </a:solidFill>
+                  <a:ea typeface="+mj-ea"/>
+                </a:rPr>
+                <a:t>6</a:t>
+              </a:r>
+              <a:r>
+                <a:rPr lang="ko-KR" altLang="en-US" sz="8000" b="1" dirty="0">
+                  <a:solidFill>
+                    <a:schemeClr val="accent6"/>
+                  </a:solidFill>
+                  <a:ea typeface="+mj-ea"/>
+                </a:rPr>
+                <a:t>조</a:t>
+              </a:r>
+              <a:endParaRPr lang="en-US" altLang="ko-KR" sz="8000" b="1" dirty="0">
                 <a:solidFill>
                   <a:schemeClr val="accent6"/>
                 </a:solidFill>
@@ -13691,7 +13727,7 @@
         <p:spPr>
           <a:xfrm>
             <a:off x="6508954" y="3028890"/>
-            <a:ext cx="4296369" cy="800219"/>
+            <a:ext cx="3271088" cy="800219"/>
           </a:xfrm>
           <a:prstGeom prst="rect">
             <a:avLst/>
@@ -13705,9 +13741,14 @@
           <a:lstStyle/>
           <a:p>
             <a:r>
-              <a:rPr lang="ko-KR" altLang="en-US" sz="4600" spc="-300" dirty="0"/>
-              <a:t>제목을 입력하세요</a:t>
+              <a:rPr lang="en-US" altLang="ko-KR" sz="4600" spc="-300" dirty="0"/>
+              <a:t>Git </a:t>
             </a:r>
+            <a:r>
+              <a:rPr lang="ko-KR" altLang="en-US" sz="4600" spc="-300"/>
+              <a:t>활용 내역</a:t>
+            </a:r>
+            <a:endParaRPr lang="ko-KR" altLang="en-US" sz="4600" spc="-300" dirty="0"/>
           </a:p>
         </p:txBody>
       </p:sp>
@@ -34931,9 +34972,9 @@
         <p:grpSpPr>
           <a:xfrm>
             <a:off x="6508954" y="2360428"/>
-            <a:ext cx="3446777" cy="707886"/>
+            <a:ext cx="2420855" cy="707886"/>
             <a:chOff x="6508954" y="2360428"/>
-            <a:chExt cx="3446777" cy="707886"/>
+            <a:chExt cx="2420855" cy="707886"/>
           </a:xfrm>
         </p:grpSpPr>
         <p:sp>
@@ -34995,7 +35036,7 @@
           <p:spPr>
             <a:xfrm>
               <a:off x="7401827" y="2452761"/>
-              <a:ext cx="2553904" cy="523220"/>
+              <a:ext cx="1527982" cy="523220"/>
             </a:xfrm>
             <a:prstGeom prst="rect">
               <a:avLst/>
@@ -35014,7 +35055,7 @@
                     <a:schemeClr val="accent6"/>
                   </a:solidFill>
                 </a:rPr>
-                <a:t>제목을 입력하세요</a:t>
+                <a:t>제작 목표</a:t>
               </a:r>
             </a:p>
           </p:txBody>
@@ -35035,9 +35076,9 @@
         <p:grpSpPr>
           <a:xfrm>
             <a:off x="6508954" y="3355999"/>
-            <a:ext cx="3446777" cy="707886"/>
+            <a:ext cx="2822055" cy="707886"/>
             <a:chOff x="6508954" y="2360428"/>
-            <a:chExt cx="3446777" cy="707886"/>
+            <a:chExt cx="2822055" cy="707886"/>
           </a:xfrm>
         </p:grpSpPr>
         <p:sp>
@@ -35099,7 +35140,7 @@
           <p:spPr>
             <a:xfrm>
               <a:off x="7401827" y="2452761"/>
-              <a:ext cx="2553904" cy="523220"/>
+              <a:ext cx="1929182" cy="523220"/>
             </a:xfrm>
             <a:prstGeom prst="rect">
               <a:avLst/>
@@ -35113,12 +35154,20 @@
             <a:lstStyle/>
             <a:p>
               <a:r>
+                <a:rPr lang="en-US" altLang="ko-KR" sz="2800" spc="-300" dirty="0">
+                  <a:solidFill>
+                    <a:schemeClr val="accent6"/>
+                  </a:solidFill>
+                </a:rPr>
+                <a:t>Git </a:t>
+              </a:r>
+              <a:r>
                 <a:rPr lang="ko-KR" altLang="en-US" sz="2800" spc="-300" dirty="0">
                   <a:solidFill>
                     <a:schemeClr val="accent6"/>
                   </a:solidFill>
                 </a:rPr>
-                <a:t>제목을 입력하세요</a:t>
+                <a:t>활용 내역</a:t>
               </a:r>
             </a:p>
           </p:txBody>
@@ -35139,9 +35188,9 @@
         <p:grpSpPr>
           <a:xfrm>
             <a:off x="6508954" y="4351570"/>
-            <a:ext cx="3446777" cy="707886"/>
+            <a:ext cx="2039341" cy="707886"/>
             <a:chOff x="6508954" y="2360428"/>
-            <a:chExt cx="3446777" cy="707886"/>
+            <a:chExt cx="2039341" cy="707886"/>
           </a:xfrm>
         </p:grpSpPr>
         <p:sp>
@@ -35203,7 +35252,7 @@
           <p:spPr>
             <a:xfrm>
               <a:off x="7401827" y="2452761"/>
-              <a:ext cx="2553904" cy="523220"/>
+              <a:ext cx="1146468" cy="523220"/>
             </a:xfrm>
             <a:prstGeom prst="rect">
               <a:avLst/>
@@ -35222,7 +35271,7 @@
                     <a:schemeClr val="accent6"/>
                   </a:solidFill>
                 </a:rPr>
-                <a:t>제목을 입력하세요</a:t>
+                <a:t>결과물</a:t>
               </a:r>
             </a:p>
           </p:txBody>
@@ -35243,9 +35292,9 @@
         <p:grpSpPr>
           <a:xfrm>
             <a:off x="6508954" y="5347141"/>
-            <a:ext cx="3446777" cy="707886"/>
+            <a:ext cx="2100255" cy="707886"/>
             <a:chOff x="6508954" y="2360428"/>
-            <a:chExt cx="3446777" cy="707886"/>
+            <a:chExt cx="2100255" cy="707886"/>
           </a:xfrm>
         </p:grpSpPr>
         <p:sp>
@@ -35307,7 +35356,7 @@
           <p:spPr>
             <a:xfrm>
               <a:off x="7401827" y="2452761"/>
-              <a:ext cx="2553904" cy="523220"/>
+              <a:ext cx="1207382" cy="523220"/>
             </a:xfrm>
             <a:prstGeom prst="rect">
               <a:avLst/>
@@ -35326,7 +35375,7 @@
                     <a:schemeClr val="accent6"/>
                   </a:solidFill>
                 </a:rPr>
-                <a:t>제목을 입력하세요</a:t>
+                <a:t>총 정리</a:t>
               </a:r>
             </a:p>
           </p:txBody>
@@ -37866,7 +37915,7 @@
         <p:spPr>
           <a:xfrm>
             <a:off x="412954" y="3051539"/>
-            <a:ext cx="4296369" cy="800219"/>
+            <a:ext cx="2513830" cy="800219"/>
           </a:xfrm>
           <a:prstGeom prst="rect">
             <a:avLst/>
@@ -37881,7 +37930,7 @@
           <a:p>
             <a:r>
               <a:rPr lang="ko-KR" altLang="en-US" sz="4600" spc="-300" dirty="0"/>
-              <a:t>제목을 입력하세요</a:t>
+              <a:t>제작 목표</a:t>
             </a:r>
           </a:p>
         </p:txBody>
@@ -38369,7 +38418,7 @@
         <p:spPr>
           <a:xfrm>
             <a:off x="1184005" y="122858"/>
-            <a:ext cx="3313728" cy="646331"/>
+            <a:ext cx="2000869" cy="646331"/>
           </a:xfrm>
           <a:prstGeom prst="rect">
             <a:avLst/>
@@ -38392,7 +38441,7 @@
                 </a:solidFill>
                 <a:latin typeface="+mn-ea"/>
               </a:rPr>
-              <a:t>제목을 입력하세요</a:t>
+              <a:t>제작 목표</a:t>
             </a:r>
           </a:p>
         </p:txBody>
@@ -38412,7 +38461,7 @@
         <p:spPr>
           <a:xfrm>
             <a:off x="1199245" y="699869"/>
-            <a:ext cx="5662384" cy="292388"/>
+            <a:ext cx="4472571" cy="292388"/>
           </a:xfrm>
           <a:prstGeom prst="rect">
             <a:avLst/>
@@ -38434,7 +38483,7 @@
                   </a:schemeClr>
                 </a:solidFill>
               </a:rPr>
-              <a:t>Lorem Ipsum is simply dummy text of the printing and typesetting industry.</a:t>
+              <a:t>This page introduce what we want to developed &amp; making </a:t>
             </a:r>
             <a:endParaRPr lang="ko-KR" altLang="en-US" sz="1300" dirty="0">
               <a:solidFill>
@@ -38696,7 +38745,7 @@
         <p:spPr>
           <a:xfrm>
             <a:off x="2945222" y="2243014"/>
-            <a:ext cx="3486852" cy="646330"/>
+            <a:ext cx="2097049" cy="646331"/>
           </a:xfrm>
           <a:prstGeom prst="rect">
             <a:avLst/>
@@ -38717,7 +38766,7 @@
                 <a:latin typeface="+mj-ea"/>
                 <a:ea typeface="+mj-ea"/>
               </a:rPr>
-              <a:t>주제를 입력하세요</a:t>
+              <a:t>주제 선정</a:t>
             </a:r>
           </a:p>
         </p:txBody>
@@ -38899,7 +38948,7 @@
         <p:spPr>
           <a:xfrm>
             <a:off x="2945222" y="3541252"/>
-            <a:ext cx="3486852" cy="646331"/>
+            <a:ext cx="2539478" cy="646331"/>
           </a:xfrm>
           <a:prstGeom prst="rect">
             <a:avLst/>
@@ -38937,7 +38986,7 @@
                 <a:latin typeface="+mj-ea"/>
                 <a:ea typeface="+mj-ea"/>
               </a:rPr>
-              <a:t>주제를 입력하세요</a:t>
+              <a:t>선택한 언어</a:t>
             </a:r>
           </a:p>
         </p:txBody>
@@ -39042,7 +39091,7 @@
           <a:lstStyle/>
           <a:p>
             <a:pPr algn="ctr"/>
-            <a:endParaRPr lang="ko-KR" altLang="en-US"/>
+            <a:endParaRPr lang="ko-KR" altLang="en-US" dirty="0"/>
           </a:p>
         </p:txBody>
       </p:sp>
@@ -39106,7 +39155,7 @@
         <p:spPr>
           <a:xfrm>
             <a:off x="2945222" y="4860753"/>
-            <a:ext cx="3486852" cy="646331"/>
+            <a:ext cx="2539478" cy="646331"/>
           </a:xfrm>
           <a:prstGeom prst="rect">
             <a:avLst/>
@@ -39127,7 +39176,7 @@
                 <a:latin typeface="+mj-ea"/>
                 <a:ea typeface="+mj-ea"/>
               </a:rPr>
-              <a:t>주제를 입력하세요</a:t>
+              <a:t>개발한 과정</a:t>
             </a:r>
           </a:p>
         </p:txBody>
@@ -39189,7 +39238,7 @@
         <p:spPr>
           <a:xfrm>
             <a:off x="1184005" y="122858"/>
-            <a:ext cx="3313728" cy="646331"/>
+            <a:ext cx="2000869" cy="646331"/>
           </a:xfrm>
           <a:prstGeom prst="rect">
             <a:avLst/>
@@ -39212,7 +39261,7 @@
                 </a:solidFill>
                 <a:latin typeface="+mn-ea"/>
               </a:rPr>
-              <a:t>제목을 입력하세요</a:t>
+              <a:t>주제 선정</a:t>
             </a:r>
           </a:p>
         </p:txBody>
@@ -39232,7 +39281,7 @@
         <p:spPr>
           <a:xfrm>
             <a:off x="1199245" y="699869"/>
-            <a:ext cx="5662384" cy="292388"/>
+            <a:ext cx="1103187" cy="292388"/>
           </a:xfrm>
           <a:prstGeom prst="rect">
             <a:avLst/>
@@ -39254,7 +39303,7 @@
                   </a:schemeClr>
                 </a:solidFill>
               </a:rPr>
-              <a:t>Lorem Ipsum is simply dummy text of the printing and typesetting industry.</a:t>
+              <a:t>Main Project</a:t>
             </a:r>
             <a:endParaRPr lang="ko-KR" altLang="en-US" sz="1300" dirty="0">
               <a:solidFill>
@@ -40099,7 +40148,7 @@
         <p:spPr>
           <a:xfrm>
             <a:off x="1073965" y="3427654"/>
-            <a:ext cx="1682895" cy="1628587"/>
+            <a:ext cx="1682895" cy="1876604"/>
           </a:xfrm>
           <a:prstGeom prst="rect">
             <a:avLst/>
@@ -40128,7 +40177,7 @@
                 <a:latin typeface="나눔스퀘어 Light" panose="020B0600000101010101" pitchFamily="50" charset="-127"/>
                 <a:ea typeface="나눔스퀘어 Light" panose="020B0600000101010101" pitchFamily="50" charset="-127"/>
               </a:rPr>
-              <a:t>봄이 아무 아스라히 한 추억과 묻힌 봅니다</a:t>
+              <a:t>첫 번째 회의에서 다양한 주제를 선정함</a:t>
             </a:r>
             <a:r>
               <a:rPr lang="en-US" altLang="ko-KR" sz="1400" spc="-150" dirty="0">
@@ -40141,126 +40190,9 @@
                 <a:latin typeface="나눔스퀘어 Light" panose="020B0600000101010101" pitchFamily="50" charset="-127"/>
                 <a:ea typeface="나눔스퀘어 Light" panose="020B0600000101010101" pitchFamily="50" charset="-127"/>
               </a:rPr>
-              <a:t>. </a:t>
+              <a:t>,</a:t>
             </a:r>
-            <a:r>
-              <a:rPr lang="ko-KR" altLang="en-US" sz="1400" spc="-150" dirty="0">
-                <a:solidFill>
-                  <a:schemeClr val="tx1">
-                    <a:lumMod val="75000"/>
-                    <a:lumOff val="25000"/>
-                  </a:schemeClr>
-                </a:solidFill>
-                <a:latin typeface="나눔스퀘어 Light" panose="020B0600000101010101" pitchFamily="50" charset="-127"/>
-                <a:ea typeface="나눔스퀘어 Light" panose="020B0600000101010101" pitchFamily="50" charset="-127"/>
-              </a:rPr>
-              <a:t>이름자 별빛이 써 같이 별 시와 봅니다</a:t>
-            </a:r>
-            <a:r>
-              <a:rPr lang="en-US" altLang="ko-KR" sz="1400" spc="-150" dirty="0">
-                <a:solidFill>
-                  <a:schemeClr val="tx1">
-                    <a:lumMod val="75000"/>
-                    <a:lumOff val="25000"/>
-                  </a:schemeClr>
-                </a:solidFill>
-                <a:latin typeface="나눔스퀘어 Light" panose="020B0600000101010101" pitchFamily="50" charset="-127"/>
-                <a:ea typeface="나눔스퀘어 Light" panose="020B0600000101010101" pitchFamily="50" charset="-127"/>
-              </a:rPr>
-              <a:t>. </a:t>
-            </a:r>
-            <a:r>
-              <a:rPr lang="ko-KR" altLang="en-US" sz="1400" spc="-150" dirty="0">
-                <a:solidFill>
-                  <a:schemeClr val="tx1">
-                    <a:lumMod val="75000"/>
-                    <a:lumOff val="25000"/>
-                  </a:schemeClr>
-                </a:solidFill>
-                <a:latin typeface="나눔스퀘어 Light" panose="020B0600000101010101" pitchFamily="50" charset="-127"/>
-                <a:ea typeface="나눔스퀘어 Light" panose="020B0600000101010101" pitchFamily="50" charset="-127"/>
-              </a:rPr>
-              <a:t>이름자 된 </a:t>
-            </a:r>
-            <a:r>
-              <a:rPr lang="ko-KR" altLang="en-US" sz="1400" spc="-150" dirty="0" err="1">
-                <a:solidFill>
-                  <a:schemeClr val="tx1">
-                    <a:lumMod val="75000"/>
-                    <a:lumOff val="25000"/>
-                  </a:schemeClr>
-                </a:solidFill>
-                <a:latin typeface="나눔스퀘어 Light" panose="020B0600000101010101" pitchFamily="50" charset="-127"/>
-                <a:ea typeface="나눔스퀘어 Light" panose="020B0600000101010101" pitchFamily="50" charset="-127"/>
-              </a:rPr>
-              <a:t>릴케</a:t>
-            </a:r>
-            <a:r>
-              <a:rPr lang="ko-KR" altLang="en-US" sz="1400" spc="-150" dirty="0">
-                <a:solidFill>
-                  <a:schemeClr val="tx1">
-                    <a:lumMod val="75000"/>
-                    <a:lumOff val="25000"/>
-                  </a:schemeClr>
-                </a:solidFill>
-                <a:latin typeface="나눔스퀘어 Light" panose="020B0600000101010101" pitchFamily="50" charset="-127"/>
-                <a:ea typeface="나눔스퀘어 Light" panose="020B0600000101010101" pitchFamily="50" charset="-127"/>
-              </a:rPr>
-              <a:t> 내일 써 별 책상을 있습니다</a:t>
-            </a:r>
-            <a:r>
-              <a:rPr lang="en-US" altLang="ko-KR" sz="1400" spc="-150" dirty="0">
-                <a:solidFill>
-                  <a:schemeClr val="tx1">
-                    <a:lumMod val="75000"/>
-                    <a:lumOff val="25000"/>
-                  </a:schemeClr>
-                </a:solidFill>
-                <a:latin typeface="나눔스퀘어 Light" panose="020B0600000101010101" pitchFamily="50" charset="-127"/>
-                <a:ea typeface="나눔스퀘어 Light" panose="020B0600000101010101" pitchFamily="50" charset="-127"/>
-              </a:rPr>
-              <a:t>. </a:t>
-            </a:r>
-            <a:endParaRPr lang="ko-KR" altLang="en-US" sz="1400" spc="-150" dirty="0">
-              <a:solidFill>
-                <a:schemeClr val="tx1">
-                  <a:lumMod val="75000"/>
-                  <a:lumOff val="25000"/>
-                </a:schemeClr>
-              </a:solidFill>
-              <a:latin typeface="나눔스퀘어 Light" panose="020B0600000101010101" pitchFamily="50" charset="-127"/>
-              <a:ea typeface="나눔스퀘어 Light" panose="020B0600000101010101" pitchFamily="50" charset="-127"/>
-            </a:endParaRPr>
-          </a:p>
-        </p:txBody>
-      </p:sp>
-      <p:sp>
-        <p:nvSpPr>
-          <p:cNvPr id="22" name="TextBox 21">
-            <a:extLst>
-              <a:ext uri="{FF2B5EF4-FFF2-40B4-BE49-F238E27FC236}">
-                <a16:creationId xmlns:a16="http://schemas.microsoft.com/office/drawing/2014/main" id="{DEC856BD-AEEE-4831-AB98-A4A375C1AF40}"/>
-              </a:ext>
-            </a:extLst>
-          </p:cNvPr>
-          <p:cNvSpPr txBox="1"/>
-          <p:nvPr/>
-        </p:nvSpPr>
-        <p:spPr>
-          <a:xfrm>
-            <a:off x="3832523" y="3427654"/>
-            <a:ext cx="1682895" cy="1628587"/>
-          </a:xfrm>
-          <a:prstGeom prst="rect">
-            <a:avLst/>
-          </a:prstGeom>
-          <a:noFill/>
-        </p:spPr>
-        <p:txBody>
-          <a:bodyPr wrap="square" rtlCol="0">
-            <a:spAutoFit/>
-          </a:bodyPr>
-          <a:lstStyle/>
+          </a:p>
           <a:p>
             <a:pPr algn="just">
               <a:lnSpc>
@@ -40278,7 +40210,7 @@
                 <a:latin typeface="나눔스퀘어 Light" panose="020B0600000101010101" pitchFamily="50" charset="-127"/>
                 <a:ea typeface="나눔스퀘어 Light" panose="020B0600000101010101" pitchFamily="50" charset="-127"/>
               </a:rPr>
-              <a:t>봄이 아무 아스라히 한 추억과 묻힌 봅니다</a:t>
+              <a:t>또한 어떠한 언어를 가지고 </a:t>
             </a:r>
             <a:r>
               <a:rPr lang="en-US" altLang="ko-KR" sz="1400" spc="-150" dirty="0">
@@ -40291,7 +40223,7 @@
                 <a:latin typeface="나눔스퀘어 Light" panose="020B0600000101010101" pitchFamily="50" charset="-127"/>
                 <a:ea typeface="나눔스퀘어 Light" panose="020B0600000101010101" pitchFamily="50" charset="-127"/>
               </a:rPr>
-              <a:t>. </a:t>
+              <a:t>Git</a:t>
             </a:r>
             <a:r>
               <a:rPr lang="ko-KR" altLang="en-US" sz="1400" spc="-150" dirty="0">
@@ -40304,7 +40236,7 @@
                 <a:latin typeface="나눔스퀘어 Light" panose="020B0600000101010101" pitchFamily="50" charset="-127"/>
                 <a:ea typeface="나눔스퀘어 Light" panose="020B0600000101010101" pitchFamily="50" charset="-127"/>
               </a:rPr>
-              <a:t>이름자 별빛이 써 같이 별 시와 봅니다</a:t>
+              <a:t>을 활용할 것인지 토의하고</a:t>
             </a:r>
             <a:r>
               <a:rPr lang="en-US" altLang="ko-KR" sz="1400" spc="-150" dirty="0">
@@ -40317,7 +40249,7 @@
                 <a:latin typeface="나눔스퀘어 Light" panose="020B0600000101010101" pitchFamily="50" charset="-127"/>
                 <a:ea typeface="나눔스퀘어 Light" panose="020B0600000101010101" pitchFamily="50" charset="-127"/>
               </a:rPr>
-              <a:t>. </a:t>
+              <a:t>,</a:t>
             </a:r>
             <a:r>
               <a:rPr lang="ko-KR" altLang="en-US" sz="1400" spc="-150" dirty="0">
@@ -40330,7 +40262,20 @@
                 <a:latin typeface="나눔스퀘어 Light" panose="020B0600000101010101" pitchFamily="50" charset="-127"/>
                 <a:ea typeface="나눔스퀘어 Light" panose="020B0600000101010101" pitchFamily="50" charset="-127"/>
               </a:rPr>
-              <a:t>이름자 된 </a:t>
+              <a:t> </a:t>
+            </a:r>
+            <a:r>
+              <a:rPr lang="en-US" altLang="ko-KR" sz="1400" spc="-150" dirty="0">
+                <a:solidFill>
+                  <a:schemeClr val="tx1">
+                    <a:lumMod val="75000"/>
+                    <a:lumOff val="25000"/>
+                  </a:schemeClr>
+                </a:solidFill>
+                <a:latin typeface="나눔스퀘어 Light" panose="020B0600000101010101" pitchFamily="50" charset="-127"/>
+                <a:ea typeface="나눔스퀘어 Light" panose="020B0600000101010101" pitchFamily="50" charset="-127"/>
+              </a:rPr>
+              <a:t>HTML5</a:t>
             </a:r>
             <a:r>
               <a:rPr lang="ko-KR" altLang="en-US" sz="1400" spc="-150" dirty="0" err="1">
@@ -40343,7 +40288,7 @@
                 <a:latin typeface="나눔스퀘어 Light" panose="020B0600000101010101" pitchFamily="50" charset="-127"/>
                 <a:ea typeface="나눔스퀘어 Light" panose="020B0600000101010101" pitchFamily="50" charset="-127"/>
               </a:rPr>
-              <a:t>릴케</a:t>
+              <a:t>를</a:t>
             </a:r>
             <a:r>
               <a:rPr lang="ko-KR" altLang="en-US" sz="1400" spc="-150" dirty="0">
@@ -40356,40 +40301,17 @@
                 <a:latin typeface="나눔스퀘어 Light" panose="020B0600000101010101" pitchFamily="50" charset="-127"/>
                 <a:ea typeface="나눔스퀘어 Light" panose="020B0600000101010101" pitchFamily="50" charset="-127"/>
               </a:rPr>
-              <a:t> 내일 써 별 책상을 있습니다</a:t>
+              <a:t> 활용하기로 결정</a:t>
             </a:r>
-            <a:r>
-              <a:rPr lang="en-US" altLang="ko-KR" sz="1400" spc="-150" dirty="0">
-                <a:solidFill>
-                  <a:schemeClr val="tx1">
-                    <a:lumMod val="75000"/>
-                    <a:lumOff val="25000"/>
-                  </a:schemeClr>
-                </a:solidFill>
-                <a:latin typeface="나눔스퀘어 Light" panose="020B0600000101010101" pitchFamily="50" charset="-127"/>
-                <a:ea typeface="나눔스퀘어 Light" panose="020B0600000101010101" pitchFamily="50" charset="-127"/>
-              </a:rPr>
-              <a:t>. </a:t>
-            </a:r>
-            <a:endParaRPr lang="ko-KR" altLang="en-US" sz="1400" spc="-150" dirty="0">
-              <a:solidFill>
-                <a:schemeClr val="tx1">
-                  <a:lumMod val="75000"/>
-                  <a:lumOff val="25000"/>
-                </a:schemeClr>
-              </a:solidFill>
-              <a:latin typeface="나눔스퀘어 Light" panose="020B0600000101010101" pitchFamily="50" charset="-127"/>
-              <a:ea typeface="나눔스퀘어 Light" panose="020B0600000101010101" pitchFamily="50" charset="-127"/>
-            </a:endParaRPr>
-          </a:p>
-        </p:txBody>
-      </p:sp>
-      <p:sp>
-        <p:nvSpPr>
-          <p:cNvPr id="23" name="TextBox 22">
-            <a:extLst>
-              <a:ext uri="{FF2B5EF4-FFF2-40B4-BE49-F238E27FC236}">
-                <a16:creationId xmlns:a16="http://schemas.microsoft.com/office/drawing/2014/main" id="{F6A24151-08C0-4EAE-B9AC-DD7978A0026E}"/>
+          </a:p>
+        </p:txBody>
+      </p:sp>
+      <p:sp>
+        <p:nvSpPr>
+          <p:cNvPr id="22" name="TextBox 21">
+            <a:extLst>
+              <a:ext uri="{FF2B5EF4-FFF2-40B4-BE49-F238E27FC236}">
+                <a16:creationId xmlns:a16="http://schemas.microsoft.com/office/drawing/2014/main" id="{DEC856BD-AEEE-4831-AB98-A4A375C1AF40}"/>
               </a:ext>
             </a:extLst>
           </p:cNvPr>
@@ -40398,8 +40320,8 @@
         </p:nvSpPr>
         <p:spPr>
           <a:xfrm>
-            <a:off x="6591082" y="3427654"/>
-            <a:ext cx="1682895" cy="1628587"/>
+            <a:off x="3832523" y="3427654"/>
+            <a:ext cx="1682895" cy="1101007"/>
           </a:xfrm>
           <a:prstGeom prst="rect">
             <a:avLst/>
@@ -40428,7 +40350,7 @@
                 <a:latin typeface="나눔스퀘어 Light" panose="020B0600000101010101" pitchFamily="50" charset="-127"/>
                 <a:ea typeface="나눔스퀘어 Light" panose="020B0600000101010101" pitchFamily="50" charset="-127"/>
               </a:rPr>
-              <a:t>봄이 아무 아스라히 한 추억과 묻힌 봅니다</a:t>
+              <a:t>카카오톡을 통해 주제를 공유하고 </a:t>
             </a:r>
             <a:r>
               <a:rPr lang="en-US" altLang="ko-KR" sz="1400" spc="-150" dirty="0">
@@ -40441,7 +40363,7 @@
                 <a:latin typeface="나눔스퀘어 Light" panose="020B0600000101010101" pitchFamily="50" charset="-127"/>
                 <a:ea typeface="나눔스퀘어 Light" panose="020B0600000101010101" pitchFamily="50" charset="-127"/>
               </a:rPr>
-              <a:t>. </a:t>
+              <a:t>Git</a:t>
             </a:r>
             <a:r>
               <a:rPr lang="ko-KR" altLang="en-US" sz="1400" spc="-150" dirty="0">
@@ -40454,92 +40376,17 @@
                 <a:latin typeface="나눔스퀘어 Light" panose="020B0600000101010101" pitchFamily="50" charset="-127"/>
                 <a:ea typeface="나눔스퀘어 Light" panose="020B0600000101010101" pitchFamily="50" charset="-127"/>
               </a:rPr>
-              <a:t>이름자 별빛이 써 같이 별 시와 봅니다</a:t>
+              <a:t> 저장소를 처음 만드는 과정을 거침 </a:t>
             </a:r>
-            <a:r>
-              <a:rPr lang="en-US" altLang="ko-KR" sz="1400" spc="-150" dirty="0">
-                <a:solidFill>
-                  <a:schemeClr val="tx1">
-                    <a:lumMod val="75000"/>
-                    <a:lumOff val="25000"/>
-                  </a:schemeClr>
-                </a:solidFill>
-                <a:latin typeface="나눔스퀘어 Light" panose="020B0600000101010101" pitchFamily="50" charset="-127"/>
-                <a:ea typeface="나눔스퀘어 Light" panose="020B0600000101010101" pitchFamily="50" charset="-127"/>
-              </a:rPr>
-              <a:t>. </a:t>
-            </a:r>
-            <a:r>
-              <a:rPr lang="ko-KR" altLang="en-US" sz="1400" spc="-150" dirty="0">
-                <a:solidFill>
-                  <a:schemeClr val="tx1">
-                    <a:lumMod val="75000"/>
-                    <a:lumOff val="25000"/>
-                  </a:schemeClr>
-                </a:solidFill>
-                <a:latin typeface="나눔스퀘어 Light" panose="020B0600000101010101" pitchFamily="50" charset="-127"/>
-                <a:ea typeface="나눔스퀘어 Light" panose="020B0600000101010101" pitchFamily="50" charset="-127"/>
-              </a:rPr>
-              <a:t>이름자 된 </a:t>
-            </a:r>
-            <a:r>
-              <a:rPr lang="ko-KR" altLang="en-US" sz="1400" spc="-150" dirty="0" err="1">
-                <a:solidFill>
-                  <a:schemeClr val="tx1">
-                    <a:lumMod val="75000"/>
-                    <a:lumOff val="25000"/>
-                  </a:schemeClr>
-                </a:solidFill>
-                <a:latin typeface="나눔스퀘어 Light" panose="020B0600000101010101" pitchFamily="50" charset="-127"/>
-                <a:ea typeface="나눔스퀘어 Light" panose="020B0600000101010101" pitchFamily="50" charset="-127"/>
-              </a:rPr>
-              <a:t>릴케</a:t>
-            </a:r>
-            <a:r>
-              <a:rPr lang="ko-KR" altLang="en-US" sz="1400" spc="-150" dirty="0">
-                <a:solidFill>
-                  <a:schemeClr val="tx1">
-                    <a:lumMod val="75000"/>
-                    <a:lumOff val="25000"/>
-                  </a:schemeClr>
-                </a:solidFill>
-                <a:latin typeface="나눔스퀘어 Light" panose="020B0600000101010101" pitchFamily="50" charset="-127"/>
-                <a:ea typeface="나눔스퀘어 Light" panose="020B0600000101010101" pitchFamily="50" charset="-127"/>
-              </a:rPr>
-              <a:t> 내일 써 별 책상을 있습니다</a:t>
-            </a:r>
-            <a:r>
-              <a:rPr lang="en-US" altLang="ko-KR" sz="1400" spc="-150" dirty="0">
-                <a:solidFill>
-                  <a:schemeClr val="tx1">
-                    <a:lumMod val="75000"/>
-                    <a:lumOff val="25000"/>
-                  </a:schemeClr>
-                </a:solidFill>
-                <a:latin typeface="나눔스퀘어 Light" panose="020B0600000101010101" pitchFamily="50" charset="-127"/>
-                <a:ea typeface="나눔스퀘어 Light" panose="020B0600000101010101" pitchFamily="50" charset="-127"/>
-              </a:rPr>
-              <a:t>. </a:t>
-            </a:r>
-            <a:endParaRPr lang="ko-KR" altLang="en-US" sz="1400" spc="-150" dirty="0">
-              <a:solidFill>
-                <a:schemeClr val="tx1">
-                  <a:lumMod val="75000"/>
-                  <a:lumOff val="25000"/>
-                </a:schemeClr>
-              </a:solidFill>
-              <a:latin typeface="나눔스퀘어 Light" panose="020B0600000101010101" pitchFamily="50" charset="-127"/>
-              <a:ea typeface="나눔스퀘어 Light" panose="020B0600000101010101" pitchFamily="50" charset="-127"/>
-            </a:endParaRPr>
-          </a:p>
-        </p:txBody>
-      </p:sp>
-      <p:sp>
-        <p:nvSpPr>
-          <p:cNvPr id="24" name="TextBox 23">
-            <a:extLst>
-              <a:ext uri="{FF2B5EF4-FFF2-40B4-BE49-F238E27FC236}">
-                <a16:creationId xmlns:a16="http://schemas.microsoft.com/office/drawing/2014/main" id="{2F7936B6-F3CC-404D-B83C-C6CE38D7609E}"/>
+          </a:p>
+        </p:txBody>
+      </p:sp>
+      <p:sp>
+        <p:nvSpPr>
+          <p:cNvPr id="23" name="TextBox 22">
+            <a:extLst>
+              <a:ext uri="{FF2B5EF4-FFF2-40B4-BE49-F238E27FC236}">
+                <a16:creationId xmlns:a16="http://schemas.microsoft.com/office/drawing/2014/main" id="{F6A24151-08C0-4EAE-B9AC-DD7978A0026E}"/>
               </a:ext>
             </a:extLst>
           </p:cNvPr>
@@ -40548,8 +40395,8 @@
         </p:nvSpPr>
         <p:spPr>
           <a:xfrm>
-            <a:off x="9359188" y="3427654"/>
-            <a:ext cx="1682895" cy="1628587"/>
+            <a:off x="6591082" y="3427654"/>
+            <a:ext cx="1682895" cy="1101007"/>
           </a:xfrm>
           <a:prstGeom prst="rect">
             <a:avLst/>
@@ -40578,7 +40425,7 @@
                 <a:latin typeface="나눔스퀘어 Light" panose="020B0600000101010101" pitchFamily="50" charset="-127"/>
                 <a:ea typeface="나눔스퀘어 Light" panose="020B0600000101010101" pitchFamily="50" charset="-127"/>
               </a:rPr>
-              <a:t>봄이 아무 아스라히 한 추억과 묻힌 봅니다</a:t>
+              <a:t>두 번째 소회의에서 투표를 통해 </a:t>
             </a:r>
             <a:r>
               <a:rPr lang="en-US" altLang="ko-KR" sz="1400" spc="-150" dirty="0">
@@ -40591,7 +40438,7 @@
                 <a:latin typeface="나눔스퀘어 Light" panose="020B0600000101010101" pitchFamily="50" charset="-127"/>
                 <a:ea typeface="나눔스퀘어 Light" panose="020B0600000101010101" pitchFamily="50" charset="-127"/>
               </a:rPr>
-              <a:t>. </a:t>
+              <a:t>‘Git</a:t>
             </a:r>
             <a:r>
               <a:rPr lang="ko-KR" altLang="en-US" sz="1400" spc="-150" dirty="0">
@@ -40604,7 +40451,7 @@
                 <a:latin typeface="나눔스퀘어 Light" panose="020B0600000101010101" pitchFamily="50" charset="-127"/>
                 <a:ea typeface="나눔스퀘어 Light" panose="020B0600000101010101" pitchFamily="50" charset="-127"/>
               </a:rPr>
-              <a:t>이름자 별빛이 써 같이 별 시와 봅니다</a:t>
+              <a:t>의 역사</a:t>
             </a:r>
             <a:r>
               <a:rPr lang="en-US" altLang="ko-KR" sz="1400" spc="-150" dirty="0">
@@ -40617,7 +40464,7 @@
                 <a:latin typeface="나눔스퀘어 Light" panose="020B0600000101010101" pitchFamily="50" charset="-127"/>
                 <a:ea typeface="나눔스퀘어 Light" panose="020B0600000101010101" pitchFamily="50" charset="-127"/>
               </a:rPr>
-              <a:t>. </a:t>
+              <a:t>＇</a:t>
             </a:r>
             <a:r>
               <a:rPr lang="ko-KR" altLang="en-US" sz="1400" spc="-150" dirty="0">
@@ -40630,10 +40477,46 @@
                 <a:latin typeface="나눔스퀘어 Light" panose="020B0600000101010101" pitchFamily="50" charset="-127"/>
                 <a:ea typeface="나눔스퀘어 Light" panose="020B0600000101010101" pitchFamily="50" charset="-127"/>
               </a:rPr>
-              <a:t>이름자 된 </a:t>
+              <a:t>에 대해서 설명하기로 결정함</a:t>
             </a:r>
+          </a:p>
+        </p:txBody>
+      </p:sp>
+      <p:sp>
+        <p:nvSpPr>
+          <p:cNvPr id="24" name="TextBox 23">
+            <a:extLst>
+              <a:ext uri="{FF2B5EF4-FFF2-40B4-BE49-F238E27FC236}">
+                <a16:creationId xmlns:a16="http://schemas.microsoft.com/office/drawing/2014/main" id="{2F7936B6-F3CC-404D-B83C-C6CE38D7609E}"/>
+              </a:ext>
+            </a:extLst>
+          </p:cNvPr>
+          <p:cNvSpPr txBox="1"/>
+          <p:nvPr/>
+        </p:nvSpPr>
+        <p:spPr>
+          <a:xfrm>
+            <a:off x="9359188" y="3427654"/>
+            <a:ext cx="1682895" cy="1876604"/>
+          </a:xfrm>
+          <a:prstGeom prst="rect">
+            <a:avLst/>
+          </a:prstGeom>
+          <a:noFill/>
+        </p:spPr>
+        <p:txBody>
+          <a:bodyPr wrap="square" rtlCol="0">
+            <a:spAutoFit/>
+          </a:bodyPr>
+          <a:lstStyle/>
+          <a:p>
+            <a:pPr algn="just">
+              <a:lnSpc>
+                <a:spcPct val="120000"/>
+              </a:lnSpc>
+            </a:pPr>
             <a:r>
-              <a:rPr lang="ko-KR" altLang="en-US" sz="1400" spc="-150" dirty="0" err="1">
+              <a:rPr lang="ko-KR" altLang="en-US" sz="1400" spc="-150" dirty="0">
                 <a:solidFill>
                   <a:schemeClr val="tx1">
                     <a:lumMod val="75000"/>
@@ -40643,7 +40526,20 @@
                 <a:latin typeface="나눔스퀘어 Light" panose="020B0600000101010101" pitchFamily="50" charset="-127"/>
                 <a:ea typeface="나눔스퀘어 Light" panose="020B0600000101010101" pitchFamily="50" charset="-127"/>
               </a:rPr>
-              <a:t>릴케</a:t>
+              <a:t>이후 </a:t>
+            </a:r>
+            <a:r>
+              <a:rPr lang="en-US" altLang="ko-KR" sz="1400" spc="-150" dirty="0">
+                <a:solidFill>
+                  <a:schemeClr val="tx1">
+                    <a:lumMod val="75000"/>
+                    <a:lumOff val="25000"/>
+                  </a:schemeClr>
+                </a:solidFill>
+                <a:latin typeface="나눔스퀘어 Light" panose="020B0600000101010101" pitchFamily="50" charset="-127"/>
+                <a:ea typeface="나눔스퀘어 Light" panose="020B0600000101010101" pitchFamily="50" charset="-127"/>
+              </a:rPr>
+              <a:t>Git</a:t>
             </a:r>
             <a:r>
               <a:rPr lang="ko-KR" altLang="en-US" sz="1400" spc="-150" dirty="0">
@@ -40656,31 +40552,8 @@
                 <a:latin typeface="나눔스퀘어 Light" panose="020B0600000101010101" pitchFamily="50" charset="-127"/>
                 <a:ea typeface="나눔스퀘어 Light" panose="020B0600000101010101" pitchFamily="50" charset="-127"/>
               </a:rPr>
-              <a:t> 내일 써 별 책상을 있습니다</a:t>
+              <a:t>을 활용하여 서로 다른 소주제를 가지고 웹사이트를 만들어 여러 개의 웹사이트를 하나의 웹사이트로 병합하는 과정을 거침</a:t>
             </a:r>
-            <a:r>
-              <a:rPr lang="en-US" altLang="ko-KR" sz="1400" spc="-150" dirty="0">
-                <a:solidFill>
-                  <a:schemeClr val="tx1">
-                    <a:lumMod val="75000"/>
-                    <a:lumOff val="25000"/>
-                  </a:schemeClr>
-                </a:solidFill>
-                <a:latin typeface="나눔스퀘어 Light" panose="020B0600000101010101" pitchFamily="50" charset="-127"/>
-                <a:ea typeface="나눔스퀘어 Light" panose="020B0600000101010101" pitchFamily="50" charset="-127"/>
-              </a:rPr>
-              <a:t>. </a:t>
-            </a:r>
-            <a:endParaRPr lang="ko-KR" altLang="en-US" sz="1400" spc="-150" dirty="0">
-              <a:solidFill>
-                <a:schemeClr val="tx1">
-                  <a:lumMod val="75000"/>
-                  <a:lumOff val="25000"/>
-                </a:schemeClr>
-              </a:solidFill>
-              <a:latin typeface="나눔스퀘어 Light" panose="020B0600000101010101" pitchFamily="50" charset="-127"/>
-              <a:ea typeface="나눔스퀘어 Light" panose="020B0600000101010101" pitchFamily="50" charset="-127"/>
-            </a:endParaRPr>
           </a:p>
         </p:txBody>
       </p:sp>
